--- a/LectureFiles/cbw/2015/RNASeq_Module1_Tutorial.pptx
+++ b/LectureFiles/cbw/2015/RNASeq_Module1_Tutorial.pptx
@@ -5,27 +5,26 @@
     <p:sldMasterId id="2147483648" r:id="rId1"/>
   </p:sldMasterIdLst>
   <p:notesMasterIdLst>
-    <p:notesMasterId r:id="rId17"/>
+    <p:notesMasterId r:id="rId16"/>
   </p:notesMasterIdLst>
   <p:handoutMasterIdLst>
-    <p:handoutMasterId r:id="rId18"/>
+    <p:handoutMasterId r:id="rId17"/>
   </p:handoutMasterIdLst>
   <p:sldIdLst>
     <p:sldId id="341" r:id="rId2"/>
-    <p:sldId id="516" r:id="rId3"/>
-    <p:sldId id="342" r:id="rId4"/>
-    <p:sldId id="257" r:id="rId5"/>
-    <p:sldId id="517" r:id="rId6"/>
-    <p:sldId id="518" r:id="rId7"/>
-    <p:sldId id="519" r:id="rId8"/>
-    <p:sldId id="520" r:id="rId9"/>
-    <p:sldId id="521" r:id="rId10"/>
-    <p:sldId id="522" r:id="rId11"/>
-    <p:sldId id="523" r:id="rId12"/>
-    <p:sldId id="524" r:id="rId13"/>
-    <p:sldId id="525" r:id="rId14"/>
-    <p:sldId id="526" r:id="rId15"/>
-    <p:sldId id="512" r:id="rId16"/>
+    <p:sldId id="342" r:id="rId3"/>
+    <p:sldId id="257" r:id="rId4"/>
+    <p:sldId id="517" r:id="rId5"/>
+    <p:sldId id="518" r:id="rId6"/>
+    <p:sldId id="519" r:id="rId7"/>
+    <p:sldId id="520" r:id="rId8"/>
+    <p:sldId id="521" r:id="rId9"/>
+    <p:sldId id="522" r:id="rId10"/>
+    <p:sldId id="523" r:id="rId11"/>
+    <p:sldId id="524" r:id="rId12"/>
+    <p:sldId id="525" r:id="rId13"/>
+    <p:sldId id="526" r:id="rId14"/>
+    <p:sldId id="512" r:id="rId15"/>
   </p:sldIdLst>
   <p:sldSz cx="9144000" cy="6858000" type="screen4x3"/>
   <p:notesSz cx="7315200" cy="9601200"/>
@@ -264,7 +263,7 @@
               <a:pPr>
                 <a:defRPr/>
               </a:pPr>
-              <a:t>3/7/15</a:t>
+              <a:t>6/1/15</a:t>
             </a:fld>
             <a:endParaRPr lang="en-US"/>
           </a:p>
@@ -479,7 +478,7 @@
               <a:pPr>
                 <a:defRPr/>
               </a:pPr>
-              <a:t>3/7/15</a:t>
+              <a:t>6/1/15</a:t>
             </a:fld>
             <a:endParaRPr lang="en-US"/>
           </a:p>
@@ -971,7 +970,7 @@
                 <a:latin typeface="Calibri" charset="0"/>
               </a:rPr>
               <a:pPr eaLnBrk="1" hangingPunct="1"/>
-              <a:t>5</a:t>
+              <a:t>4</a:t>
             </a:fld>
             <a:endParaRPr lang="en-US" sz="1300">
               <a:latin typeface="Calibri" charset="0"/>
@@ -1227,7 +1226,7 @@
                 <a:latin typeface="Calibri" charset="0"/>
               </a:rPr>
               <a:pPr eaLnBrk="1" hangingPunct="1"/>
-              <a:t>8</a:t>
+              <a:t>7</a:t>
             </a:fld>
             <a:endParaRPr lang="en-US" sz="1300">
               <a:latin typeface="Calibri" charset="0"/>
@@ -1483,7 +1482,7 @@
                 <a:latin typeface="Calibri" charset="0"/>
               </a:rPr>
               <a:pPr eaLnBrk="1" hangingPunct="1"/>
-              <a:t>9</a:t>
+              <a:t>8</a:t>
             </a:fld>
             <a:endParaRPr lang="en-US" sz="1300">
               <a:latin typeface="Calibri" charset="0"/>
@@ -1739,7 +1738,7 @@
                 <a:latin typeface="Calibri" charset="0"/>
               </a:rPr>
               <a:pPr eaLnBrk="1" hangingPunct="1"/>
-              <a:t>10</a:t>
+              <a:t>9</a:t>
             </a:fld>
             <a:endParaRPr lang="en-US" sz="1300">
               <a:latin typeface="Calibri" charset="0"/>
@@ -1995,7 +1994,7 @@
                 <a:latin typeface="Calibri" charset="0"/>
               </a:rPr>
               <a:pPr eaLnBrk="1" hangingPunct="1"/>
-              <a:t>12</a:t>
+              <a:t>11</a:t>
             </a:fld>
             <a:endParaRPr lang="en-US" sz="1300">
               <a:latin typeface="Calibri" charset="0"/>
@@ -2251,7 +2250,7 @@
                 <a:latin typeface="Calibri" charset="0"/>
               </a:rPr>
               <a:pPr eaLnBrk="1" hangingPunct="1"/>
-              <a:t>13</a:t>
+              <a:t>12</a:t>
             </a:fld>
             <a:endParaRPr lang="en-US" sz="1300">
               <a:latin typeface="Calibri" charset="0"/>
@@ -4832,7 +4831,7 @@
               <a:pPr>
                 <a:defRPr/>
               </a:pPr>
-              <a:t>3/7/15</a:t>
+              <a:t>6/1/15</a:t>
             </a:fld>
             <a:endParaRPr lang="en-US"/>
           </a:p>
@@ -5700,203 +5699,6 @@
       </p:grpSpPr>
       <p:sp>
         <p:nvSpPr>
-          <p:cNvPr id="21505" name="Rectangle 2"/>
-          <p:cNvSpPr>
-            <a:spLocks noGrp="1" noChangeArrowheads="1"/>
-          </p:cNvSpPr>
-          <p:nvPr>
-            <p:ph type="title"/>
-          </p:nvPr>
-        </p:nvSpPr>
-        <p:spPr>
-          <a:xfrm>
-            <a:off x="152400" y="44450"/>
-            <a:ext cx="8839200" cy="1143000"/>
-          </a:xfrm>
-        </p:spPr>
-        <p:txBody>
-          <a:bodyPr/>
-          <a:lstStyle/>
-          <a:p>
-            <a:pPr eaLnBrk="1" hangingPunct="1"/>
-            <a:r>
-              <a:rPr lang="en-US" altLang="ko-KR" sz="3600" dirty="0" smtClean="0">
-                <a:latin typeface="Calibri" charset="0"/>
-                <a:ea typeface="ＭＳ Ｐゴシック" charset="0"/>
-                <a:cs typeface="ＭＳ Ｐゴシック" charset="0"/>
-              </a:rPr>
-              <a:t>2-iii. Obtain </a:t>
-            </a:r>
-            <a:r>
-              <a:rPr lang="en-US" altLang="ko-KR" sz="3600" dirty="0">
-                <a:latin typeface="Calibri" charset="0"/>
-                <a:ea typeface="ＭＳ Ｐゴシック" charset="0"/>
-                <a:cs typeface="ＭＳ Ｐゴシック" charset="0"/>
-              </a:rPr>
-              <a:t>known transcript annotations</a:t>
-            </a:r>
-          </a:p>
-        </p:txBody>
-      </p:sp>
-      <p:sp>
-        <p:nvSpPr>
-          <p:cNvPr id="21506" name="Content Placeholder 6"/>
-          <p:cNvSpPr>
-            <a:spLocks noGrp="1"/>
-          </p:cNvSpPr>
-          <p:nvPr>
-            <p:ph idx="1"/>
-          </p:nvPr>
-        </p:nvSpPr>
-        <p:spPr>
-          <a:xfrm>
-            <a:off x="152400" y="1185863"/>
-            <a:ext cx="8839200" cy="4979987"/>
-          </a:xfrm>
-        </p:spPr>
-        <p:txBody>
-          <a:bodyPr/>
-          <a:lstStyle/>
-          <a:p>
-            <a:r>
-              <a:rPr lang="en-US">
-                <a:latin typeface="Calibri" charset="0"/>
-                <a:ea typeface="ＭＳ Ｐゴシック" charset="0"/>
-              </a:rPr>
-              <a:t>All annotation files are obtained from the Illumina iGenomes project</a:t>
-            </a:r>
-          </a:p>
-          <a:p>
-            <a:pPr lvl="1"/>
-            <a:r>
-              <a:rPr lang="en-US">
-                <a:latin typeface="Calibri" charset="0"/>
-                <a:ea typeface="ＭＳ Ｐゴシック" charset="0"/>
-                <a:hlinkClick r:id="rId3"/>
-              </a:rPr>
-              <a:t>http://cufflinks.cbcb.umd.edu/igenomes.html</a:t>
-            </a:r>
-            <a:endParaRPr lang="en-US">
-              <a:latin typeface="Calibri" charset="0"/>
-              <a:ea typeface="ＭＳ Ｐゴシック" charset="0"/>
-            </a:endParaRPr>
-          </a:p>
-          <a:p>
-            <a:pPr>
-              <a:lnSpc>
-                <a:spcPct val="90000"/>
-              </a:lnSpc>
-            </a:pPr>
-            <a:r>
-              <a:rPr lang="en-US">
-                <a:latin typeface="Calibri" charset="0"/>
-                <a:ea typeface="ＭＳ Ｐゴシック" charset="0"/>
-              </a:rPr>
-              <a:t>There are many other ways to obtain gene annotation files. For example:</a:t>
-            </a:r>
-          </a:p>
-          <a:p>
-            <a:pPr lvl="1">
-              <a:lnSpc>
-                <a:spcPct val="90000"/>
-              </a:lnSpc>
-            </a:pPr>
-            <a:r>
-              <a:rPr lang="en-US">
-                <a:latin typeface="Calibri" charset="0"/>
-                <a:ea typeface="ＭＳ Ｐゴシック" charset="0"/>
-              </a:rPr>
-              <a:t>UCSC Genome Browser, Ensembl API, BioMart, Entrez, Galaxy, etc. could also be used</a:t>
-            </a:r>
-          </a:p>
-          <a:p>
-            <a:pPr>
-              <a:lnSpc>
-                <a:spcPct val="90000"/>
-              </a:lnSpc>
-            </a:pPr>
-            <a:r>
-              <a:rPr lang="en-US">
-                <a:latin typeface="Calibri" charset="0"/>
-                <a:ea typeface="ＭＳ Ｐゴシック" charset="0"/>
-              </a:rPr>
-              <a:t>You will download GTF files describing human transcripts (exon coordinates, gene ids, gene symbols, etc.)</a:t>
-            </a:r>
-          </a:p>
-          <a:p>
-            <a:pPr>
-              <a:lnSpc>
-                <a:spcPct val="90000"/>
-              </a:lnSpc>
-            </a:pPr>
-            <a:r>
-              <a:rPr lang="en-US">
-                <a:latin typeface="Calibri" charset="0"/>
-                <a:ea typeface="ＭＳ Ｐゴシック" charset="0"/>
-              </a:rPr>
-              <a:t>Descriptions of the GTF file format can be found here:</a:t>
-            </a:r>
-          </a:p>
-          <a:p>
-            <a:pPr lvl="1">
-              <a:lnSpc>
-                <a:spcPct val="90000"/>
-              </a:lnSpc>
-            </a:pPr>
-            <a:r>
-              <a:rPr lang="en-US">
-                <a:latin typeface="Calibri" charset="0"/>
-                <a:ea typeface="ＭＳ Ｐゴシック" charset="0"/>
-                <a:hlinkClick r:id="rId4"/>
-              </a:rPr>
-              <a:t>http://genome.ucsc.edu/FAQ/FAQformat.html#format4</a:t>
-            </a:r>
-            <a:endParaRPr lang="en-US">
-              <a:latin typeface="Calibri" charset="0"/>
-              <a:ea typeface="ＭＳ Ｐゴシック" charset="0"/>
-            </a:endParaRPr>
-          </a:p>
-        </p:txBody>
-      </p:sp>
-    </p:spTree>
-    <p:extLst>
-      <p:ext uri="{BB962C8B-B14F-4D97-AF65-F5344CB8AC3E}">
-        <p14:creationId xmlns:p14="http://schemas.microsoft.com/office/powerpoint/2010/main" val="332173748"/>
-      </p:ext>
-    </p:extLst>
-  </p:cSld>
-  <p:clrMapOvr>
-    <a:masterClrMapping/>
-  </p:clrMapOvr>
-  <p:timing>
-    <p:tnLst>
-      <p:par>
-        <p:cTn xmlns:p14="http://schemas.microsoft.com/office/powerpoint/2010/main" id="1" dur="indefinite" restart="never" nodeType="tmRoot"/>
-      </p:par>
-    </p:tnLst>
-  </p:timing>
-</p:sld>
-</file>
-
-<file path=ppt/slides/slide11.xml><?xml version="1.0" encoding="utf-8"?>
-<p:sld xmlns:a="http://schemas.openxmlformats.org/drawingml/2006/main" xmlns:r="http://schemas.openxmlformats.org/officeDocument/2006/relationships" xmlns:p="http://schemas.openxmlformats.org/presentationml/2006/main">
-  <p:cSld>
-    <p:spTree>
-      <p:nvGrpSpPr>
-        <p:cNvPr id="1" name=""/>
-        <p:cNvGrpSpPr/>
-        <p:nvPr/>
-      </p:nvGrpSpPr>
-      <p:grpSpPr>
-        <a:xfrm>
-          <a:off x="0" y="0"/>
-          <a:ext cx="0" cy="0"/>
-          <a:chOff x="0" y="0"/>
-          <a:chExt cx="0" cy="0"/>
-        </a:xfrm>
-      </p:grpSpPr>
-      <p:sp>
-        <p:nvSpPr>
           <p:cNvPr id="23553" name="Title 1"/>
           <p:cNvSpPr>
             <a:spLocks noGrp="1"/>
@@ -6024,7 +5826,7 @@
 </p:sld>
 </file>
 
-<file path=ppt/slides/slide12.xml><?xml version="1.0" encoding="utf-8"?>
+<file path=ppt/slides/slide11.xml><?xml version="1.0" encoding="utf-8"?>
 <p:sld xmlns:a="http://schemas.openxmlformats.org/drawingml/2006/main" xmlns:r="http://schemas.openxmlformats.org/officeDocument/2006/relationships" xmlns:p="http://schemas.openxmlformats.org/presentationml/2006/main">
   <p:cSld>
     <p:spTree>
@@ -6399,7 +6201,7 @@
 </p:sld>
 </file>
 
-<file path=ppt/slides/slide13.xml><?xml version="1.0" encoding="utf-8"?>
+<file path=ppt/slides/slide12.xml><?xml version="1.0" encoding="utf-8"?>
 <p:sld xmlns:a="http://schemas.openxmlformats.org/drawingml/2006/main" xmlns:r="http://schemas.openxmlformats.org/officeDocument/2006/relationships" xmlns:p="http://schemas.openxmlformats.org/presentationml/2006/main">
   <p:cSld>
     <p:spTree>
@@ -6921,7 +6723,7 @@
 </p:sld>
 </file>
 
-<file path=ppt/slides/slide14.xml><?xml version="1.0" encoding="utf-8"?>
+<file path=ppt/slides/slide13.xml><?xml version="1.0" encoding="utf-8"?>
 <p:sld xmlns:a="http://schemas.openxmlformats.org/drawingml/2006/main" xmlns:r="http://schemas.openxmlformats.org/officeDocument/2006/relationships" xmlns:p="http://schemas.openxmlformats.org/presentationml/2006/main">
   <p:cSld>
     <p:spTree>
@@ -7029,7 +6831,7 @@
 </p:sld>
 </file>
 
-<file path=ppt/slides/slide15.xml><?xml version="1.0" encoding="utf-8"?>
+<file path=ppt/slides/slide14.xml><?xml version="1.0" encoding="utf-8"?>
 <p:sld xmlns:a="http://schemas.openxmlformats.org/drawingml/2006/main" xmlns:r="http://schemas.openxmlformats.org/officeDocument/2006/relationships" xmlns:p="http://schemas.openxmlformats.org/presentationml/2006/main">
   <p:cSld>
     <p:spTree>
@@ -7098,7 +6900,7 @@
       </p:sp>
       <p:pic>
         <p:nvPicPr>
-          <p:cNvPr id="3" name="Picture 2" descr="CSHL_Logo.eps"/>
+          <p:cNvPr id="2" name="Picture 1" descr="bioinformatics-ca.eps"/>
           <p:cNvPicPr>
             <a:picLocks noChangeAspect="1"/>
           </p:cNvPicPr>
@@ -7118,70 +6920,7 @@
         </p:blipFill>
         <p:spPr>
           <a:xfrm>
-            <a:off x="1547664" y="4869160"/>
-            <a:ext cx="2594868" cy="994509"/>
-          </a:xfrm>
-          <a:prstGeom prst="rect">
-            <a:avLst/>
-          </a:prstGeom>
-          <a:solidFill>
-            <a:schemeClr val="bg1"/>
-          </a:solidFill>
-        </p:spPr>
-      </p:pic>
-      <p:pic>
-        <p:nvPicPr>
-          <p:cNvPr id="4" name="Picture 3" descr="NYGC_logo.jpeg"/>
-          <p:cNvPicPr>
-            <a:picLocks noChangeAspect="1"/>
-          </p:cNvPicPr>
-          <p:nvPr/>
-        </p:nvPicPr>
-        <p:blipFill>
-          <a:blip r:embed="rId3" cstate="print">
-            <a:extLst>
-              <a:ext uri="{28A0092B-C50C-407E-A947-70E740481C1C}">
-                <a14:useLocalDpi xmlns:a14="http://schemas.microsoft.com/office/drawing/2010/main" val="0"/>
-              </a:ext>
-            </a:extLst>
-          </a:blip>
-          <a:stretch>
-            <a:fillRect/>
-          </a:stretch>
-        </p:blipFill>
-        <p:spPr>
-          <a:xfrm>
-            <a:off x="5436096" y="4437112"/>
-            <a:ext cx="2224796" cy="1483197"/>
-          </a:xfrm>
-          <a:prstGeom prst="rect">
-            <a:avLst/>
-          </a:prstGeom>
-        </p:spPr>
-      </p:pic>
-      <p:pic>
-        <p:nvPicPr>
-          <p:cNvPr id="2" name="Picture 1" descr="bioinformatics-ca.eps"/>
-          <p:cNvPicPr>
-            <a:picLocks noChangeAspect="1"/>
-          </p:cNvPicPr>
-          <p:nvPr/>
-        </p:nvPicPr>
-        <p:blipFill>
-          <a:blip r:embed="rId4">
-            <a:extLst>
-              <a:ext uri="{28A0092B-C50C-407E-A947-70E740481C1C}">
-                <a14:useLocalDpi xmlns:a14="http://schemas.microsoft.com/office/drawing/2010/main" val="0"/>
-              </a:ext>
-            </a:extLst>
-          </a:blip>
-          <a:stretch>
-            <a:fillRect/>
-          </a:stretch>
-        </p:blipFill>
-        <p:spPr>
-          <a:xfrm>
-            <a:off x="3122397" y="3151943"/>
+            <a:off x="3122397" y="3933056"/>
             <a:ext cx="2823006" cy="1213161"/>
           </a:xfrm>
           <a:prstGeom prst="rect">
@@ -7198,576 +6937,6 @@
 </file>
 
 <file path=ppt/slides/slide2.xml><?xml version="1.0" encoding="utf-8"?>
-<p:sld xmlns:a="http://schemas.openxmlformats.org/drawingml/2006/main" xmlns:r="http://schemas.openxmlformats.org/officeDocument/2006/relationships" xmlns:p="http://schemas.openxmlformats.org/presentationml/2006/main">
-  <p:cSld>
-    <p:spTree>
-      <p:nvGrpSpPr>
-        <p:cNvPr id="1" name=""/>
-        <p:cNvGrpSpPr/>
-        <p:nvPr/>
-      </p:nvGrpSpPr>
-      <p:grpSpPr>
-        <a:xfrm>
-          <a:off x="0" y="0"/>
-          <a:ext cx="0" cy="0"/>
-          <a:chOff x="0" y="0"/>
-          <a:chExt cx="0" cy="0"/>
-        </a:xfrm>
-      </p:grpSpPr>
-      <p:pic>
-        <p:nvPicPr>
-          <p:cNvPr id="2" name="Picture 1" descr="CSHL_Logo.eps"/>
-          <p:cNvPicPr>
-            <a:picLocks noChangeAspect="1"/>
-          </p:cNvPicPr>
-          <p:nvPr/>
-        </p:nvPicPr>
-        <p:blipFill>
-          <a:blip r:embed="rId2">
-            <a:extLst>
-              <a:ext uri="{28A0092B-C50C-407E-A947-70E740481C1C}">
-                <a14:useLocalDpi xmlns:a14="http://schemas.microsoft.com/office/drawing/2010/main" val="0"/>
-              </a:ext>
-            </a:extLst>
-          </a:blip>
-          <a:stretch>
-            <a:fillRect/>
-          </a:stretch>
-        </p:blipFill>
-        <p:spPr>
-          <a:xfrm>
-            <a:off x="1475656" y="5445224"/>
-            <a:ext cx="2594868" cy="994509"/>
-          </a:xfrm>
-          <a:prstGeom prst="rect">
-            <a:avLst/>
-          </a:prstGeom>
-          <a:solidFill>
-            <a:schemeClr val="bg1"/>
-          </a:solidFill>
-        </p:spPr>
-      </p:pic>
-      <p:pic>
-        <p:nvPicPr>
-          <p:cNvPr id="3" name="Picture 2" descr="NYGC_logo.jpeg"/>
-          <p:cNvPicPr>
-            <a:picLocks noChangeAspect="1"/>
-          </p:cNvPicPr>
-          <p:nvPr/>
-        </p:nvPicPr>
-        <p:blipFill>
-          <a:blip r:embed="rId3" cstate="print">
-            <a:extLst>
-              <a:ext uri="{28A0092B-C50C-407E-A947-70E740481C1C}">
-                <a14:useLocalDpi xmlns:a14="http://schemas.microsoft.com/office/drawing/2010/main" val="0"/>
-              </a:ext>
-            </a:extLst>
-          </a:blip>
-          <a:stretch>
-            <a:fillRect/>
-          </a:stretch>
-        </p:blipFill>
-        <p:spPr>
-          <a:xfrm>
-            <a:off x="5364088" y="5013176"/>
-            <a:ext cx="2224796" cy="1483197"/>
-          </a:xfrm>
-          <a:prstGeom prst="rect">
-            <a:avLst/>
-          </a:prstGeom>
-        </p:spPr>
-      </p:pic>
-      <p:sp>
-        <p:nvSpPr>
-          <p:cNvPr id="6" name="Rectangle 2"/>
-          <p:cNvSpPr txBox="1">
-            <a:spLocks noChangeArrowheads="1"/>
-          </p:cNvSpPr>
-          <p:nvPr/>
-        </p:nvSpPr>
-        <p:spPr bwMode="auto">
-          <a:xfrm>
-            <a:off x="650839" y="3277344"/>
-            <a:ext cx="7772400" cy="1447800"/>
-          </a:xfrm>
-          <a:prstGeom prst="rect">
-            <a:avLst/>
-          </a:prstGeom>
-          <a:noFill/>
-          <a:ln>
-            <a:noFill/>
-          </a:ln>
-          <a:extLst>
-            <a:ext uri="{909E8E84-426E-40dd-AFC4-6F175D3DCCD1}">
-              <a14:hiddenFill xmlns:a14="http://schemas.microsoft.com/office/drawing/2010/main">
-                <a:solidFill>
-                  <a:srgbClr val="FFFFFF"/>
-                </a:solidFill>
-              </a14:hiddenFill>
-            </a:ext>
-            <a:ext uri="{91240B29-F687-4f45-9708-019B960494DF}">
-              <a14:hiddenLine xmlns:a14="http://schemas.microsoft.com/office/drawing/2010/main" w="9525">
-                <a:solidFill>
-                  <a:srgbClr val="000000"/>
-                </a:solidFill>
-                <a:miter lim="800000"/>
-                <a:headEnd/>
-                <a:tailEnd/>
-              </a14:hiddenLine>
-            </a:ext>
-            <a:ext uri="{FAA26D3D-D897-4be2-8F04-BA451C77F1D7}">
-              <ma14:placeholderFlag xmlns:ma14="http://schemas.microsoft.com/office/mac/drawingml/2011/main" val="1"/>
-            </a:ext>
-          </a:extLst>
-        </p:spPr>
-        <p:txBody>
-          <a:bodyPr vert="horz" wrap="square" lIns="91440" tIns="45720" rIns="91440" bIns="45720" numCol="1" anchor="ctr" anchorCtr="0" compatLnSpc="1">
-            <a:prstTxWarp prst="textNoShape">
-              <a:avLst/>
-            </a:prstTxWarp>
-          </a:bodyPr>
-          <a:lstStyle>
-            <a:lvl1pPr algn="ctr" rtl="0" eaLnBrk="0" fontAlgn="base" hangingPunct="0">
-              <a:spcBef>
-                <a:spcPct val="0"/>
-              </a:spcBef>
-              <a:spcAft>
-                <a:spcPct val="0"/>
-              </a:spcAft>
-              <a:defRPr sz="4000" b="1" kern="1200">
-                <a:solidFill>
-                  <a:schemeClr val="tx1"/>
-                </a:solidFill>
-                <a:latin typeface="Calibri"/>
-                <a:ea typeface="ＭＳ Ｐゴシック" pitchFamily="-28" charset="-128"/>
-                <a:cs typeface="Calibri"/>
-              </a:defRPr>
-            </a:lvl1pPr>
-            <a:lvl2pPr algn="ctr" rtl="0" eaLnBrk="0" fontAlgn="base" hangingPunct="0">
-              <a:spcBef>
-                <a:spcPct val="0"/>
-              </a:spcBef>
-              <a:spcAft>
-                <a:spcPct val="0"/>
-              </a:spcAft>
-              <a:defRPr sz="4000" b="1">
-                <a:solidFill>
-                  <a:schemeClr val="tx1"/>
-                </a:solidFill>
-                <a:latin typeface="Calibri" charset="0"/>
-                <a:ea typeface="ＭＳ Ｐゴシック" pitchFamily="-28" charset="-128"/>
-                <a:cs typeface="ＭＳ Ｐゴシック" pitchFamily="-28" charset="-128"/>
-              </a:defRPr>
-            </a:lvl2pPr>
-            <a:lvl3pPr algn="ctr" rtl="0" eaLnBrk="0" fontAlgn="base" hangingPunct="0">
-              <a:spcBef>
-                <a:spcPct val="0"/>
-              </a:spcBef>
-              <a:spcAft>
-                <a:spcPct val="0"/>
-              </a:spcAft>
-              <a:defRPr sz="4000" b="1">
-                <a:solidFill>
-                  <a:schemeClr val="tx1"/>
-                </a:solidFill>
-                <a:latin typeface="Calibri" charset="0"/>
-                <a:ea typeface="ＭＳ Ｐゴシック" pitchFamily="-28" charset="-128"/>
-                <a:cs typeface="ＭＳ Ｐゴシック" pitchFamily="-28" charset="-128"/>
-              </a:defRPr>
-            </a:lvl3pPr>
-            <a:lvl4pPr algn="ctr" rtl="0" eaLnBrk="0" fontAlgn="base" hangingPunct="0">
-              <a:spcBef>
-                <a:spcPct val="0"/>
-              </a:spcBef>
-              <a:spcAft>
-                <a:spcPct val="0"/>
-              </a:spcAft>
-              <a:defRPr sz="4000" b="1">
-                <a:solidFill>
-                  <a:schemeClr val="tx1"/>
-                </a:solidFill>
-                <a:latin typeface="Calibri" charset="0"/>
-                <a:ea typeface="ＭＳ Ｐゴシック" pitchFamily="-28" charset="-128"/>
-                <a:cs typeface="ＭＳ Ｐゴシック" pitchFamily="-28" charset="-128"/>
-              </a:defRPr>
-            </a:lvl4pPr>
-            <a:lvl5pPr algn="ctr" rtl="0" eaLnBrk="0" fontAlgn="base" hangingPunct="0">
-              <a:spcBef>
-                <a:spcPct val="0"/>
-              </a:spcBef>
-              <a:spcAft>
-                <a:spcPct val="0"/>
-              </a:spcAft>
-              <a:defRPr sz="4000" b="1">
-                <a:solidFill>
-                  <a:schemeClr val="tx1"/>
-                </a:solidFill>
-                <a:latin typeface="Calibri" charset="0"/>
-                <a:ea typeface="ＭＳ Ｐゴシック" pitchFamily="-28" charset="-128"/>
-                <a:cs typeface="ＭＳ Ｐゴシック" pitchFamily="-28" charset="-128"/>
-              </a:defRPr>
-            </a:lvl5pPr>
-            <a:lvl6pPr marL="457200" algn="ctr" rtl="0" fontAlgn="base">
-              <a:spcBef>
-                <a:spcPct val="0"/>
-              </a:spcBef>
-              <a:spcAft>
-                <a:spcPct val="0"/>
-              </a:spcAft>
-              <a:defRPr sz="4400">
-                <a:solidFill>
-                  <a:schemeClr val="tx1"/>
-                </a:solidFill>
-                <a:latin typeface="Segoe UI" pitchFamily="34" charset="0"/>
-                <a:ea typeface="ＭＳ Ｐゴシック" pitchFamily="-28" charset="-128"/>
-                <a:cs typeface="ＭＳ Ｐゴシック" pitchFamily="-28" charset="-128"/>
-              </a:defRPr>
-            </a:lvl6pPr>
-            <a:lvl7pPr marL="914400" algn="ctr" rtl="0" fontAlgn="base">
-              <a:spcBef>
-                <a:spcPct val="0"/>
-              </a:spcBef>
-              <a:spcAft>
-                <a:spcPct val="0"/>
-              </a:spcAft>
-              <a:defRPr sz="4400">
-                <a:solidFill>
-                  <a:schemeClr val="tx1"/>
-                </a:solidFill>
-                <a:latin typeface="Segoe UI" pitchFamily="34" charset="0"/>
-                <a:ea typeface="ＭＳ Ｐゴシック" pitchFamily="-28" charset="-128"/>
-                <a:cs typeface="ＭＳ Ｐゴシック" pitchFamily="-28" charset="-128"/>
-              </a:defRPr>
-            </a:lvl7pPr>
-            <a:lvl8pPr marL="1371600" algn="ctr" rtl="0" fontAlgn="base">
-              <a:spcBef>
-                <a:spcPct val="0"/>
-              </a:spcBef>
-              <a:spcAft>
-                <a:spcPct val="0"/>
-              </a:spcAft>
-              <a:defRPr sz="4400">
-                <a:solidFill>
-                  <a:schemeClr val="tx1"/>
-                </a:solidFill>
-                <a:latin typeface="Segoe UI" pitchFamily="34" charset="0"/>
-                <a:ea typeface="ＭＳ Ｐゴシック" pitchFamily="-28" charset="-128"/>
-                <a:cs typeface="ＭＳ Ｐゴシック" pitchFamily="-28" charset="-128"/>
-              </a:defRPr>
-            </a:lvl8pPr>
-            <a:lvl9pPr marL="1828800" algn="ctr" rtl="0" fontAlgn="base">
-              <a:spcBef>
-                <a:spcPct val="0"/>
-              </a:spcBef>
-              <a:spcAft>
-                <a:spcPct val="0"/>
-              </a:spcAft>
-              <a:defRPr sz="4400">
-                <a:solidFill>
-                  <a:schemeClr val="tx1"/>
-                </a:solidFill>
-                <a:latin typeface="Segoe UI" pitchFamily="34" charset="0"/>
-                <a:ea typeface="ＭＳ Ｐゴシック" pitchFamily="-28" charset="-128"/>
-                <a:cs typeface="ＭＳ Ｐゴシック" pitchFamily="-28" charset="-128"/>
-              </a:defRPr>
-            </a:lvl9pPr>
-          </a:lstStyle>
-          <a:p>
-            <a:pPr eaLnBrk="1" hangingPunct="1"/>
-            <a:r>
-              <a:rPr lang="en-US" sz="3600" b="0" dirty="0" smtClean="0">
-                <a:solidFill>
-                  <a:srgbClr val="CA0000"/>
-                </a:solidFill>
-                <a:latin typeface="Calibri" charset="0"/>
-                <a:ea typeface="ＭＳ Ｐゴシック" charset="0"/>
-                <a:cs typeface="ＭＳ Ｐゴシック" charset="0"/>
-              </a:rPr>
-              <a:t>Cold Spring Harbor Laboratory</a:t>
-            </a:r>
-          </a:p>
-          <a:p>
-            <a:pPr eaLnBrk="1" hangingPunct="1"/>
-            <a:r>
-              <a:rPr lang="en-US" sz="2800" b="0" dirty="0">
-                <a:solidFill>
-                  <a:srgbClr val="000000"/>
-                </a:solidFill>
-                <a:latin typeface="Calibri" charset="0"/>
-                <a:ea typeface="ＭＳ Ｐゴシック" charset="0"/>
-                <a:cs typeface="ＭＳ Ｐゴシック" charset="0"/>
-              </a:rPr>
-              <a:t>&amp;</a:t>
-            </a:r>
-            <a:endParaRPr lang="en-US" sz="2800" b="0" dirty="0" smtClean="0">
-              <a:solidFill>
-                <a:srgbClr val="000000"/>
-              </a:solidFill>
-              <a:latin typeface="Calibri" charset="0"/>
-              <a:ea typeface="ＭＳ Ｐゴシック" charset="0"/>
-              <a:cs typeface="ＭＳ Ｐゴシック" charset="0"/>
-            </a:endParaRPr>
-          </a:p>
-          <a:p>
-            <a:pPr eaLnBrk="1" hangingPunct="1"/>
-            <a:r>
-              <a:rPr lang="en-US" sz="3600" b="0" dirty="0" smtClean="0">
-                <a:solidFill>
-                  <a:srgbClr val="CA0000"/>
-                </a:solidFill>
-                <a:latin typeface="Calibri" charset="0"/>
-                <a:ea typeface="ＭＳ Ｐゴシック" charset="0"/>
-                <a:cs typeface="ＭＳ Ｐゴシック" charset="0"/>
-              </a:rPr>
-              <a:t> New York Genome Center</a:t>
-            </a:r>
-            <a:endParaRPr lang="en-US" sz="3600" b="0" dirty="0">
-              <a:solidFill>
-                <a:srgbClr val="CA0000"/>
-              </a:solidFill>
-              <a:latin typeface="Calibri" charset="0"/>
-              <a:ea typeface="ＭＳ Ｐゴシック" charset="0"/>
-              <a:cs typeface="ＭＳ Ｐゴシック" charset="0"/>
-            </a:endParaRPr>
-          </a:p>
-        </p:txBody>
-      </p:sp>
-      <p:sp>
-        <p:nvSpPr>
-          <p:cNvPr id="7" name="Rectangle 3"/>
-          <p:cNvSpPr txBox="1">
-            <a:spLocks noChangeArrowheads="1"/>
-          </p:cNvSpPr>
-          <p:nvPr/>
-        </p:nvSpPr>
-        <p:spPr bwMode="auto">
-          <a:xfrm>
-            <a:off x="1141802" y="2780928"/>
-            <a:ext cx="6778625" cy="648072"/>
-          </a:xfrm>
-          <a:prstGeom prst="rect">
-            <a:avLst/>
-          </a:prstGeom>
-          <a:noFill/>
-          <a:ln>
-            <a:noFill/>
-          </a:ln>
-          <a:extLst>
-            <a:ext uri="{909E8E84-426E-40dd-AFC4-6F175D3DCCD1}">
-              <a14:hiddenFill xmlns:a14="http://schemas.microsoft.com/office/drawing/2010/main">
-                <a:solidFill>
-                  <a:srgbClr val="FFFFFF"/>
-                </a:solidFill>
-              </a14:hiddenFill>
-            </a:ext>
-            <a:ext uri="{91240B29-F687-4f45-9708-019B960494DF}">
-              <a14:hiddenLine xmlns:a14="http://schemas.microsoft.com/office/drawing/2010/main" w="9525">
-                <a:solidFill>
-                  <a:srgbClr val="000000"/>
-                </a:solidFill>
-                <a:miter lim="800000"/>
-                <a:headEnd/>
-                <a:tailEnd/>
-              </a14:hiddenLine>
-            </a:ext>
-            <a:ext uri="{FAA26D3D-D897-4be2-8F04-BA451C77F1D7}">
-              <ma14:placeholderFlag xmlns:ma14="http://schemas.microsoft.com/office/mac/drawingml/2011/main" val="1"/>
-            </a:ext>
-          </a:extLst>
-        </p:spPr>
-        <p:txBody>
-          <a:bodyPr vert="horz" wrap="square" lIns="91440" tIns="45720" rIns="91440" bIns="45720" numCol="1" anchor="t" anchorCtr="0" compatLnSpc="1">
-            <a:prstTxWarp prst="textNoShape">
-              <a:avLst/>
-            </a:prstTxWarp>
-          </a:bodyPr>
-          <a:lstStyle>
-            <a:lvl1pPr marL="342900" indent="-342900" algn="l" rtl="0" eaLnBrk="0" fontAlgn="base" hangingPunct="0">
-              <a:spcBef>
-                <a:spcPct val="20000"/>
-              </a:spcBef>
-              <a:spcAft>
-                <a:spcPct val="0"/>
-              </a:spcAft>
-              <a:buFont typeface="Arial" charset="0"/>
-              <a:buChar char="•"/>
-              <a:defRPr sz="2800" kern="1200">
-                <a:solidFill>
-                  <a:schemeClr val="tx1"/>
-                </a:solidFill>
-                <a:latin typeface="Calibri"/>
-                <a:ea typeface="ＭＳ Ｐゴシック" pitchFamily="-28" charset="-128"/>
-                <a:cs typeface="Calibri"/>
-              </a:defRPr>
-            </a:lvl1pPr>
-            <a:lvl2pPr marL="742950" indent="-285750" algn="l" rtl="0" eaLnBrk="0" fontAlgn="base" hangingPunct="0">
-              <a:spcBef>
-                <a:spcPct val="20000"/>
-              </a:spcBef>
-              <a:spcAft>
-                <a:spcPct val="0"/>
-              </a:spcAft>
-              <a:buFont typeface="Arial" charset="0"/>
-              <a:buChar char="–"/>
-              <a:defRPr sz="2400" kern="1200">
-                <a:solidFill>
-                  <a:schemeClr val="tx1"/>
-                </a:solidFill>
-                <a:latin typeface="Calibri"/>
-                <a:ea typeface="ＭＳ Ｐゴシック" pitchFamily="-28" charset="-128"/>
-                <a:cs typeface="Calibri"/>
-              </a:defRPr>
-            </a:lvl2pPr>
-            <a:lvl3pPr marL="1143000" indent="-228600" algn="l" rtl="0" eaLnBrk="0" fontAlgn="base" hangingPunct="0">
-              <a:spcBef>
-                <a:spcPct val="20000"/>
-              </a:spcBef>
-              <a:spcAft>
-                <a:spcPct val="0"/>
-              </a:spcAft>
-              <a:buFont typeface="Arial" charset="0"/>
-              <a:buChar char="•"/>
-              <a:defRPr sz="2000" kern="1200">
-                <a:solidFill>
-                  <a:schemeClr val="tx1"/>
-                </a:solidFill>
-                <a:latin typeface="Calibri"/>
-                <a:ea typeface="ＭＳ Ｐゴシック" pitchFamily="-28" charset="-128"/>
-                <a:cs typeface="Calibri"/>
-              </a:defRPr>
-            </a:lvl3pPr>
-            <a:lvl4pPr marL="1600200" indent="-228600" algn="l" rtl="0" eaLnBrk="0" fontAlgn="base" hangingPunct="0">
-              <a:spcBef>
-                <a:spcPct val="20000"/>
-              </a:spcBef>
-              <a:spcAft>
-                <a:spcPct val="0"/>
-              </a:spcAft>
-              <a:buFont typeface="Arial" charset="0"/>
-              <a:buChar char="–"/>
-              <a:defRPr kern="1200">
-                <a:solidFill>
-                  <a:schemeClr val="tx1"/>
-                </a:solidFill>
-                <a:latin typeface="Calibri"/>
-                <a:ea typeface="ＭＳ Ｐゴシック" pitchFamily="-28" charset="-128"/>
-                <a:cs typeface="Calibri"/>
-              </a:defRPr>
-            </a:lvl4pPr>
-            <a:lvl5pPr marL="2057400" indent="-228600" algn="l" rtl="0" eaLnBrk="0" fontAlgn="base" hangingPunct="0">
-              <a:spcBef>
-                <a:spcPct val="20000"/>
-              </a:spcBef>
-              <a:spcAft>
-                <a:spcPct val="0"/>
-              </a:spcAft>
-              <a:buFont typeface="Arial" charset="0"/>
-              <a:buChar char="»"/>
-              <a:defRPr kern="1200">
-                <a:solidFill>
-                  <a:schemeClr val="tx1"/>
-                </a:solidFill>
-                <a:latin typeface="Calibri"/>
-                <a:ea typeface="ＭＳ Ｐゴシック" pitchFamily="-28" charset="-128"/>
-                <a:cs typeface="Calibri"/>
-              </a:defRPr>
-            </a:lvl5pPr>
-            <a:lvl6pPr marL="2514600" indent="-228600" algn="l" defTabSz="914400" rtl="0" eaLnBrk="1" latinLnBrk="0" hangingPunct="1">
-              <a:spcBef>
-                <a:spcPct val="20000"/>
-              </a:spcBef>
-              <a:buFont typeface="Arial" pitchFamily="34" charset="0"/>
-              <a:buChar char="•"/>
-              <a:defRPr sz="2000" kern="1200">
-                <a:solidFill>
-                  <a:schemeClr val="tx1"/>
-                </a:solidFill>
-                <a:latin typeface="+mn-lt"/>
-                <a:ea typeface="+mn-ea"/>
-                <a:cs typeface="+mn-cs"/>
-              </a:defRPr>
-            </a:lvl6pPr>
-            <a:lvl7pPr marL="2971800" indent="-228600" algn="l" defTabSz="914400" rtl="0" eaLnBrk="1" latinLnBrk="0" hangingPunct="1">
-              <a:spcBef>
-                <a:spcPct val="20000"/>
-              </a:spcBef>
-              <a:buFont typeface="Arial" pitchFamily="34" charset="0"/>
-              <a:buChar char="•"/>
-              <a:defRPr sz="2000" kern="1200">
-                <a:solidFill>
-                  <a:schemeClr val="tx1"/>
-                </a:solidFill>
-                <a:latin typeface="+mn-lt"/>
-                <a:ea typeface="+mn-ea"/>
-                <a:cs typeface="+mn-cs"/>
-              </a:defRPr>
-            </a:lvl7pPr>
-            <a:lvl8pPr marL="3429000" indent="-228600" algn="l" defTabSz="914400" rtl="0" eaLnBrk="1" latinLnBrk="0" hangingPunct="1">
-              <a:spcBef>
-                <a:spcPct val="20000"/>
-              </a:spcBef>
-              <a:buFont typeface="Arial" pitchFamily="34" charset="0"/>
-              <a:buChar char="•"/>
-              <a:defRPr sz="2000" kern="1200">
-                <a:solidFill>
-                  <a:schemeClr val="tx1"/>
-                </a:solidFill>
-                <a:latin typeface="+mn-lt"/>
-                <a:ea typeface="+mn-ea"/>
-                <a:cs typeface="+mn-cs"/>
-              </a:defRPr>
-            </a:lvl8pPr>
-            <a:lvl9pPr marL="3886200" indent="-228600" algn="l" defTabSz="914400" rtl="0" eaLnBrk="1" latinLnBrk="0" hangingPunct="1">
-              <a:spcBef>
-                <a:spcPct val="20000"/>
-              </a:spcBef>
-              <a:buFont typeface="Arial" pitchFamily="34" charset="0"/>
-              <a:buChar char="•"/>
-              <a:defRPr sz="2000" kern="1200">
-                <a:solidFill>
-                  <a:schemeClr val="tx1"/>
-                </a:solidFill>
-                <a:latin typeface="+mn-lt"/>
-                <a:ea typeface="+mn-ea"/>
-                <a:cs typeface="+mn-cs"/>
-              </a:defRPr>
-            </a:lvl9pPr>
-          </a:lstStyle>
-          <a:p>
-            <a:pPr marL="0" indent="0" algn="ctr" eaLnBrk="1" hangingPunct="1">
-              <a:buFont typeface="Arial" charset="0"/>
-              <a:buNone/>
-            </a:pPr>
-            <a:r>
-              <a:rPr lang="en-US" dirty="0" smtClean="0">
-                <a:latin typeface="Calibri" charset="0"/>
-                <a:ea typeface="ＭＳ Ｐゴシック" charset="0"/>
-                <a:cs typeface="ＭＳ Ｐゴシック" charset="0"/>
-              </a:rPr>
-              <a:t>In collaboration with</a:t>
-            </a:r>
-            <a:endParaRPr lang="en-US" dirty="0">
-              <a:latin typeface="Calibri" charset="0"/>
-              <a:ea typeface="ＭＳ Ｐゴシック" charset="0"/>
-              <a:cs typeface="ＭＳ Ｐゴシック" charset="0"/>
-            </a:endParaRPr>
-          </a:p>
-        </p:txBody>
-      </p:sp>
-    </p:spTree>
-    <p:extLst>
-      <p:ext uri="{BB962C8B-B14F-4D97-AF65-F5344CB8AC3E}">
-        <p14:creationId xmlns:p14="http://schemas.microsoft.com/office/powerpoint/2010/main" val="139381770"/>
-      </p:ext>
-    </p:extLst>
-  </p:cSld>
-  <p:clrMapOvr>
-    <a:masterClrMapping/>
-  </p:clrMapOvr>
-</p:sld>
-</file>
-
-<file path=ppt/slides/slide3.xml><?xml version="1.0" encoding="utf-8"?>
 <p:sld xmlns:a="http://schemas.openxmlformats.org/drawingml/2006/main" xmlns:r="http://schemas.openxmlformats.org/officeDocument/2006/relationships" xmlns:p="http://schemas.openxmlformats.org/presentationml/2006/main">
   <p:cSld>
     <p:spTree>
@@ -7939,7 +7108,7 @@
             <a:fld id="{06D23BA9-5070-0648-A3DA-E6039966856F}" type="slidenum">
               <a:rPr lang="en-US" sz="1200"/>
               <a:pPr algn="r"/>
-              <a:t>3</a:t>
+              <a:t>2</a:t>
             </a:fld>
             <a:endParaRPr lang="en-US" sz="1200"/>
           </a:p>
@@ -8342,7 +7511,7 @@
 </p:sld>
 </file>
 
-<file path=ppt/slides/slide4.xml><?xml version="1.0" encoding="utf-8"?>
+<file path=ppt/slides/slide3.xml><?xml version="1.0" encoding="utf-8"?>
 <p:sld xmlns:a="http://schemas.openxmlformats.org/drawingml/2006/main" xmlns:r="http://schemas.openxmlformats.org/officeDocument/2006/relationships" xmlns:p="http://schemas.openxmlformats.org/presentationml/2006/main">
   <p:cSld>
     <p:spTree>
@@ -8691,7 +7860,7 @@
               <a:defRPr/>
             </a:pPr>
             <a:r>
-              <a:rPr lang="en-US" sz="1600" dirty="0" smtClean="0">
+              <a:rPr lang="en-US" sz="1600" dirty="0">
                 <a:ln w="1270">
                   <a:solidFill>
                     <a:schemeClr val="tx1">
@@ -8700,10 +7869,9 @@
                   </a:solidFill>
                 </a:ln>
                 <a:latin typeface="Calibri"/>
-                <a:ea typeface="+mj-ea"/>
                 <a:cs typeface="Calibri"/>
               </a:rPr>
-              <a:t>High-throughput Biology: From Sequence to Networks</a:t>
+              <a:t>Informatics for RNA-seq Analysis</a:t>
             </a:r>
           </a:p>
           <a:p>
@@ -8726,102 +7894,26 @@
                 <a:ea typeface="+mn-ea"/>
                 <a:cs typeface="Calibri"/>
               </a:rPr>
-              <a:t>April 27-May 3, 2015</a:t>
+              <a:t>June 8-9, </a:t>
+            </a:r>
+            <a:r>
+              <a:rPr lang="en-US" sz="1400" dirty="0" smtClean="0">
+                <a:ln w="1270">
+                  <a:solidFill>
+                    <a:schemeClr val="tx1">
+                      <a:alpha val="38000"/>
+                    </a:schemeClr>
+                  </a:solidFill>
+                </a:ln>
+                <a:latin typeface="Calibri"/>
+                <a:ea typeface="+mn-ea"/>
+                <a:cs typeface="Calibri"/>
+              </a:rPr>
+              <a:t>2015</a:t>
             </a:r>
           </a:p>
         </p:txBody>
       </p:sp>
-      <p:pic>
-        <p:nvPicPr>
-          <p:cNvPr id="4" name="Picture 3" descr="bioinformatics-ca.eps"/>
-          <p:cNvPicPr>
-            <a:picLocks noChangeAspect="1"/>
-          </p:cNvPicPr>
-          <p:nvPr/>
-        </p:nvPicPr>
-        <p:blipFill>
-          <a:blip r:embed="rId2">
-            <a:extLst>
-              <a:ext uri="{28A0092B-C50C-407E-A947-70E740481C1C}">
-                <a14:useLocalDpi xmlns:a14="http://schemas.microsoft.com/office/drawing/2010/main" val="0"/>
-              </a:ext>
-            </a:extLst>
-          </a:blip>
-          <a:stretch>
-            <a:fillRect/>
-          </a:stretch>
-        </p:blipFill>
-        <p:spPr>
-          <a:xfrm>
-            <a:off x="6516216" y="2708920"/>
-            <a:ext cx="2339752" cy="1005487"/>
-          </a:xfrm>
-          <a:prstGeom prst="rect">
-            <a:avLst/>
-          </a:prstGeom>
-        </p:spPr>
-      </p:pic>
-      <p:pic>
-        <p:nvPicPr>
-          <p:cNvPr id="9" name="Picture 8" descr="CSHL_Logo.eps"/>
-          <p:cNvPicPr>
-            <a:picLocks noChangeAspect="1"/>
-          </p:cNvPicPr>
-          <p:nvPr/>
-        </p:nvPicPr>
-        <p:blipFill>
-          <a:blip r:embed="rId3">
-            <a:extLst>
-              <a:ext uri="{28A0092B-C50C-407E-A947-70E740481C1C}">
-                <a14:useLocalDpi xmlns:a14="http://schemas.microsoft.com/office/drawing/2010/main" val="0"/>
-              </a:ext>
-            </a:extLst>
-          </a:blip>
-          <a:stretch>
-            <a:fillRect/>
-          </a:stretch>
-        </p:blipFill>
-        <p:spPr>
-          <a:xfrm>
-            <a:off x="6372200" y="4215061"/>
-            <a:ext cx="2458204" cy="942131"/>
-          </a:xfrm>
-          <a:prstGeom prst="rect">
-            <a:avLst/>
-          </a:prstGeom>
-          <a:noFill/>
-        </p:spPr>
-      </p:pic>
-      <p:pic>
-        <p:nvPicPr>
-          <p:cNvPr id="10" name="Picture 9" descr="NYGC_logo.jpeg"/>
-          <p:cNvPicPr>
-            <a:picLocks noChangeAspect="1"/>
-          </p:cNvPicPr>
-          <p:nvPr/>
-        </p:nvPicPr>
-        <p:blipFill>
-          <a:blip r:embed="rId4" cstate="print">
-            <a:extLst>
-              <a:ext uri="{28A0092B-C50C-407E-A947-70E740481C1C}">
-                <a14:useLocalDpi xmlns:a14="http://schemas.microsoft.com/office/drawing/2010/main" val="0"/>
-              </a:ext>
-            </a:extLst>
-          </a:blip>
-          <a:stretch>
-            <a:fillRect/>
-          </a:stretch>
-        </p:blipFill>
-        <p:spPr>
-          <a:xfrm>
-            <a:off x="6568588" y="5288114"/>
-            <a:ext cx="2224796" cy="1483197"/>
-          </a:xfrm>
-          <a:prstGeom prst="rect">
-            <a:avLst/>
-          </a:prstGeom>
-        </p:spPr>
-      </p:pic>
       <p:pic>
         <p:nvPicPr>
           <p:cNvPr id="8" name="Picture 1" descr="RNA-Seq-alignment.png"/>
@@ -8831,7 +7923,7 @@
           <p:nvPr/>
         </p:nvPicPr>
         <p:blipFill>
-          <a:blip r:embed="rId5">
+          <a:blip r:embed="rId2">
             <a:extLst>
               <a:ext uri="{28A0092B-C50C-407E-A947-70E740481C1C}">
                 <a14:useLocalDpi xmlns:a14="http://schemas.microsoft.com/office/drawing/2010/main" val="0"/>
@@ -8876,6 +7968,36 @@
           </a:extLst>
         </p:spPr>
       </p:pic>
+      <p:pic>
+        <p:nvPicPr>
+          <p:cNvPr id="11" name="Picture 10" descr="bioinformatics-ca.eps"/>
+          <p:cNvPicPr>
+            <a:picLocks noChangeAspect="1"/>
+          </p:cNvPicPr>
+          <p:nvPr/>
+        </p:nvPicPr>
+        <p:blipFill>
+          <a:blip r:embed="rId3">
+            <a:extLst>
+              <a:ext uri="{28A0092B-C50C-407E-A947-70E740481C1C}">
+                <a14:useLocalDpi xmlns:a14="http://schemas.microsoft.com/office/drawing/2010/main" val="0"/>
+              </a:ext>
+            </a:extLst>
+          </a:blip>
+          <a:stretch>
+            <a:fillRect/>
+          </a:stretch>
+        </p:blipFill>
+        <p:spPr>
+          <a:xfrm>
+            <a:off x="6516216" y="4223713"/>
+            <a:ext cx="2339752" cy="1005487"/>
+          </a:xfrm>
+          <a:prstGeom prst="rect">
+            <a:avLst/>
+          </a:prstGeom>
+        </p:spPr>
+      </p:pic>
     </p:spTree>
   </p:cSld>
   <p:clrMapOvr>
@@ -8891,7 +8013,7 @@
 </p:sld>
 </file>
 
-<file path=ppt/slides/slide5.xml><?xml version="1.0" encoding="utf-8"?>
+<file path=ppt/slides/slide4.xml><?xml version="1.0" encoding="utf-8"?>
 <p:sld xmlns:a="http://schemas.openxmlformats.org/drawingml/2006/main" xmlns:r="http://schemas.openxmlformats.org/officeDocument/2006/relationships" xmlns:p="http://schemas.openxmlformats.org/presentationml/2006/main">
   <p:cSld>
     <p:spTree>
@@ -9067,7 +8189,7 @@
 </p:sld>
 </file>
 
-<file path=ppt/slides/slide6.xml><?xml version="1.0" encoding="utf-8"?>
+<file path=ppt/slides/slide5.xml><?xml version="1.0" encoding="utf-8"?>
 <p:sld xmlns:a="http://schemas.openxmlformats.org/drawingml/2006/main" xmlns:r="http://schemas.openxmlformats.org/officeDocument/2006/relationships" xmlns:p="http://schemas.openxmlformats.org/presentationml/2006/main">
   <p:cSld>
     <p:spTree>
@@ -9316,7 +8438,7 @@
 </p:sld>
 </file>
 
-<file path=ppt/slides/slide7.xml><?xml version="1.0" encoding="utf-8"?>
+<file path=ppt/slides/slide6.xml><?xml version="1.0" encoding="utf-8"?>
 <p:sld xmlns:a="http://schemas.openxmlformats.org/drawingml/2006/main" xmlns:r="http://schemas.openxmlformats.org/officeDocument/2006/relationships" xmlns:p="http://schemas.openxmlformats.org/presentationml/2006/main">
   <p:cSld>
     <p:spTree>
@@ -9776,7 +8898,7 @@
 </p:sld>
 </file>
 
-<file path=ppt/slides/slide8.xml><?xml version="1.0" encoding="utf-8"?>
+<file path=ppt/slides/slide7.xml><?xml version="1.0" encoding="utf-8"?>
 <p:sld xmlns:a="http://schemas.openxmlformats.org/drawingml/2006/main" xmlns:r="http://schemas.openxmlformats.org/officeDocument/2006/relationships" xmlns:p="http://schemas.openxmlformats.org/presentationml/2006/main">
   <p:cSld>
     <p:spTree>
@@ -10518,7 +9640,7 @@
 </p:sld>
 </file>
 
-<file path=ppt/slides/slide9.xml><?xml version="1.0" encoding="utf-8"?>
+<file path=ppt/slides/slide8.xml><?xml version="1.0" encoding="utf-8"?>
 <p:sld xmlns:a="http://schemas.openxmlformats.org/drawingml/2006/main" xmlns:r="http://schemas.openxmlformats.org/officeDocument/2006/relationships" xmlns:p="http://schemas.openxmlformats.org/presentationml/2006/main">
   <p:cSld>
     <p:spTree>
@@ -10672,6 +9794,203 @@
     <p:extLst>
       <p:ext uri="{BB962C8B-B14F-4D97-AF65-F5344CB8AC3E}">
         <p14:creationId xmlns:p14="http://schemas.microsoft.com/office/powerpoint/2010/main" val="321495310"/>
+      </p:ext>
+    </p:extLst>
+  </p:cSld>
+  <p:clrMapOvr>
+    <a:masterClrMapping/>
+  </p:clrMapOvr>
+  <p:timing>
+    <p:tnLst>
+      <p:par>
+        <p:cTn xmlns:p14="http://schemas.microsoft.com/office/powerpoint/2010/main" id="1" dur="indefinite" restart="never" nodeType="tmRoot"/>
+      </p:par>
+    </p:tnLst>
+  </p:timing>
+</p:sld>
+</file>
+
+<file path=ppt/slides/slide9.xml><?xml version="1.0" encoding="utf-8"?>
+<p:sld xmlns:a="http://schemas.openxmlformats.org/drawingml/2006/main" xmlns:r="http://schemas.openxmlformats.org/officeDocument/2006/relationships" xmlns:p="http://schemas.openxmlformats.org/presentationml/2006/main">
+  <p:cSld>
+    <p:spTree>
+      <p:nvGrpSpPr>
+        <p:cNvPr id="1" name=""/>
+        <p:cNvGrpSpPr/>
+        <p:nvPr/>
+      </p:nvGrpSpPr>
+      <p:grpSpPr>
+        <a:xfrm>
+          <a:off x="0" y="0"/>
+          <a:ext cx="0" cy="0"/>
+          <a:chOff x="0" y="0"/>
+          <a:chExt cx="0" cy="0"/>
+        </a:xfrm>
+      </p:grpSpPr>
+      <p:sp>
+        <p:nvSpPr>
+          <p:cNvPr id="21505" name="Rectangle 2"/>
+          <p:cNvSpPr>
+            <a:spLocks noGrp="1" noChangeArrowheads="1"/>
+          </p:cNvSpPr>
+          <p:nvPr>
+            <p:ph type="title"/>
+          </p:nvPr>
+        </p:nvSpPr>
+        <p:spPr>
+          <a:xfrm>
+            <a:off x="152400" y="44450"/>
+            <a:ext cx="8839200" cy="1143000"/>
+          </a:xfrm>
+        </p:spPr>
+        <p:txBody>
+          <a:bodyPr/>
+          <a:lstStyle/>
+          <a:p>
+            <a:pPr eaLnBrk="1" hangingPunct="1"/>
+            <a:r>
+              <a:rPr lang="en-US" altLang="ko-KR" sz="3600" dirty="0" smtClean="0">
+                <a:latin typeface="Calibri" charset="0"/>
+                <a:ea typeface="ＭＳ Ｐゴシック" charset="0"/>
+                <a:cs typeface="ＭＳ Ｐゴシック" charset="0"/>
+              </a:rPr>
+              <a:t>2-iii. Obtain </a:t>
+            </a:r>
+            <a:r>
+              <a:rPr lang="en-US" altLang="ko-KR" sz="3600" dirty="0">
+                <a:latin typeface="Calibri" charset="0"/>
+                <a:ea typeface="ＭＳ Ｐゴシック" charset="0"/>
+                <a:cs typeface="ＭＳ Ｐゴシック" charset="0"/>
+              </a:rPr>
+              <a:t>known transcript annotations</a:t>
+            </a:r>
+          </a:p>
+        </p:txBody>
+      </p:sp>
+      <p:sp>
+        <p:nvSpPr>
+          <p:cNvPr id="21506" name="Content Placeholder 6"/>
+          <p:cNvSpPr>
+            <a:spLocks noGrp="1"/>
+          </p:cNvSpPr>
+          <p:nvPr>
+            <p:ph idx="1"/>
+          </p:nvPr>
+        </p:nvSpPr>
+        <p:spPr>
+          <a:xfrm>
+            <a:off x="152400" y="1185863"/>
+            <a:ext cx="8839200" cy="4979987"/>
+          </a:xfrm>
+        </p:spPr>
+        <p:txBody>
+          <a:bodyPr/>
+          <a:lstStyle/>
+          <a:p>
+            <a:r>
+              <a:rPr lang="en-US">
+                <a:latin typeface="Calibri" charset="0"/>
+                <a:ea typeface="ＭＳ Ｐゴシック" charset="0"/>
+              </a:rPr>
+              <a:t>All annotation files are obtained from the Illumina iGenomes project</a:t>
+            </a:r>
+          </a:p>
+          <a:p>
+            <a:pPr lvl="1"/>
+            <a:r>
+              <a:rPr lang="en-US">
+                <a:latin typeface="Calibri" charset="0"/>
+                <a:ea typeface="ＭＳ Ｐゴシック" charset="0"/>
+                <a:hlinkClick r:id="rId3"/>
+              </a:rPr>
+              <a:t>http://cufflinks.cbcb.umd.edu/igenomes.html</a:t>
+            </a:r>
+            <a:endParaRPr lang="en-US">
+              <a:latin typeface="Calibri" charset="0"/>
+              <a:ea typeface="ＭＳ Ｐゴシック" charset="0"/>
+            </a:endParaRPr>
+          </a:p>
+          <a:p>
+            <a:pPr>
+              <a:lnSpc>
+                <a:spcPct val="90000"/>
+              </a:lnSpc>
+            </a:pPr>
+            <a:r>
+              <a:rPr lang="en-US">
+                <a:latin typeface="Calibri" charset="0"/>
+                <a:ea typeface="ＭＳ Ｐゴシック" charset="0"/>
+              </a:rPr>
+              <a:t>There are many other ways to obtain gene annotation files. For example:</a:t>
+            </a:r>
+          </a:p>
+          <a:p>
+            <a:pPr lvl="1">
+              <a:lnSpc>
+                <a:spcPct val="90000"/>
+              </a:lnSpc>
+            </a:pPr>
+            <a:r>
+              <a:rPr lang="en-US">
+                <a:latin typeface="Calibri" charset="0"/>
+                <a:ea typeface="ＭＳ Ｐゴシック" charset="0"/>
+              </a:rPr>
+              <a:t>UCSC Genome Browser, Ensembl API, BioMart, Entrez, Galaxy, etc. could also be used</a:t>
+            </a:r>
+          </a:p>
+          <a:p>
+            <a:pPr>
+              <a:lnSpc>
+                <a:spcPct val="90000"/>
+              </a:lnSpc>
+            </a:pPr>
+            <a:r>
+              <a:rPr lang="en-US">
+                <a:latin typeface="Calibri" charset="0"/>
+                <a:ea typeface="ＭＳ Ｐゴシック" charset="0"/>
+              </a:rPr>
+              <a:t>You will download GTF files describing human transcripts (exon coordinates, gene ids, gene symbols, etc.)</a:t>
+            </a:r>
+          </a:p>
+          <a:p>
+            <a:pPr>
+              <a:lnSpc>
+                <a:spcPct val="90000"/>
+              </a:lnSpc>
+            </a:pPr>
+            <a:r>
+              <a:rPr lang="en-US">
+                <a:latin typeface="Calibri" charset="0"/>
+                <a:ea typeface="ＭＳ Ｐゴシック" charset="0"/>
+              </a:rPr>
+              <a:t>Descriptions of the GTF file format can be found here:</a:t>
+            </a:r>
+          </a:p>
+          <a:p>
+            <a:pPr lvl="1">
+              <a:lnSpc>
+                <a:spcPct val="90000"/>
+              </a:lnSpc>
+            </a:pPr>
+            <a:r>
+              <a:rPr lang="en-US">
+                <a:latin typeface="Calibri" charset="0"/>
+                <a:ea typeface="ＭＳ Ｐゴシック" charset="0"/>
+                <a:hlinkClick r:id="rId4"/>
+              </a:rPr>
+              <a:t>http://genome.ucsc.edu/FAQ/FAQformat.html#format4</a:t>
+            </a:r>
+            <a:endParaRPr lang="en-US">
+              <a:latin typeface="Calibri" charset="0"/>
+              <a:ea typeface="ＭＳ Ｐゴシック" charset="0"/>
+            </a:endParaRPr>
+          </a:p>
+        </p:txBody>
+      </p:sp>
+    </p:spTree>
+    <p:extLst>
+      <p:ext uri="{BB962C8B-B14F-4D97-AF65-F5344CB8AC3E}">
+        <p14:creationId xmlns:p14="http://schemas.microsoft.com/office/powerpoint/2010/main" val="332173748"/>
       </p:ext>
     </p:extLst>
   </p:cSld>

--- a/LectureFiles/cbw/2015/RNASeq_Module1_Tutorial.pptx
+++ b/LectureFiles/cbw/2015/RNASeq_Module1_Tutorial.pptx
@@ -263,7 +263,7 @@
               <a:pPr>
                 <a:defRPr/>
               </a:pPr>
-              <a:t>6/1/15</a:t>
+              <a:t>6/8/15</a:t>
             </a:fld>
             <a:endParaRPr lang="en-US"/>
           </a:p>
@@ -478,7 +478,7 @@
               <a:pPr>
                 <a:defRPr/>
               </a:pPr>
-              <a:t>6/1/15</a:t>
+              <a:t>6/8/15</a:t>
             </a:fld>
             <a:endParaRPr lang="en-US"/>
           </a:p>
@@ -4831,7 +4831,7 @@
               <a:pPr>
                 <a:defRPr/>
               </a:pPr>
-              <a:t>6/1/15</a:t>
+              <a:t>6/8/15</a:t>
             </a:fld>
             <a:endParaRPr lang="en-US"/>
           </a:p>
@@ -7894,22 +7894,7 @@
                 <a:ea typeface="+mn-ea"/>
                 <a:cs typeface="Calibri"/>
               </a:rPr>
-              <a:t>June 8-9, </a:t>
-            </a:r>
-            <a:r>
-              <a:rPr lang="en-US" sz="1400" dirty="0" smtClean="0">
-                <a:ln w="1270">
-                  <a:solidFill>
-                    <a:schemeClr val="tx1">
-                      <a:alpha val="38000"/>
-                    </a:schemeClr>
-                  </a:solidFill>
-                </a:ln>
-                <a:latin typeface="Calibri"/>
-                <a:ea typeface="+mn-ea"/>
-                <a:cs typeface="Calibri"/>
-              </a:rPr>
-              <a:t>2015</a:t>
+              <a:t>June 8-9, 2015</a:t>
             </a:r>
           </a:p>
         </p:txBody>
@@ -8435,6 +8420,13 @@
   <p:clrMapOvr>
     <a:masterClrMapping/>
   </p:clrMapOvr>
+  <p:timing>
+    <p:tnLst>
+      <p:par>
+        <p:cTn xmlns:p14="http://schemas.microsoft.com/office/powerpoint/2010/main" id="1" dur="indefinite" restart="never" nodeType="tmRoot"/>
+      </p:par>
+    </p:tnLst>
+  </p:timing>
 </p:sld>
 </file>
 
@@ -8996,7 +8988,7 @@
               <a:defRPr/>
             </a:pPr>
             <a:r>
-              <a:rPr lang="en-US" sz="2200" dirty="0" err="1">
+              <a:rPr lang="en-US" sz="2300" dirty="0" err="1">
                 <a:latin typeface="Calibri" charset="0"/>
                 <a:ea typeface="ＭＳ Ｐゴシック" charset="0"/>
               </a:rPr>
@@ -9097,7 +9089,7 @@
               <a:defRPr/>
             </a:pPr>
             <a:r>
-              <a:rPr lang="en-US" sz="2600" dirty="0" smtClean="0">
+              <a:rPr lang="en-US" sz="2300" dirty="0" smtClean="0">
                 <a:latin typeface="Calibri" charset="0"/>
                 <a:ea typeface="ＭＳ Ｐゴシック" charset="0"/>
               </a:rPr>
@@ -9136,7 +9128,7 @@
               <a:defRPr/>
             </a:pPr>
             <a:r>
-              <a:rPr lang="en-US" sz="2200" dirty="0" err="1">
+              <a:rPr lang="en-US" sz="2300" dirty="0" err="1">
                 <a:latin typeface="Calibri" charset="0"/>
                 <a:ea typeface="ＭＳ Ｐゴシック" charset="0"/>
               </a:rPr>
@@ -9160,9 +9152,17 @@
                 <a:ea typeface="ＭＳ Ｐゴシック" charset="0"/>
                 <a:hlinkClick r:id="rId6"/>
               </a:rPr>
-              <a:t>http://tophat.cbcb.umd.edu/</a:t>
-            </a:r>
-            <a:endParaRPr lang="en-US" sz="1900" dirty="0">
+              <a:t>http://ccb.jhu.edu/software/tophat/</a:t>
+            </a:r>
+            <a:r>
+              <a:rPr lang="en-US" sz="1900" dirty="0" smtClean="0">
+                <a:latin typeface="Calibri" charset="0"/>
+                <a:ea typeface="ＭＳ Ｐゴシック" charset="0"/>
+                <a:hlinkClick r:id="rId6"/>
+              </a:rPr>
+              <a:t>index.shtml</a:t>
+            </a:r>
+            <a:endParaRPr lang="en-US" sz="1900" dirty="0" smtClean="0">
               <a:latin typeface="Calibri" charset="0"/>
               <a:ea typeface="ＭＳ Ｐゴシック" charset="0"/>
             </a:endParaRPr>
@@ -9175,12 +9175,16 @@
               <a:defRPr/>
             </a:pPr>
             <a:r>
-              <a:rPr lang="en-US" sz="2200" dirty="0" smtClean="0">
+              <a:rPr lang="en-US" sz="2300" dirty="0" smtClean="0">
                 <a:latin typeface="Calibri" charset="0"/>
                 <a:ea typeface="ＭＳ Ｐゴシック" charset="0"/>
               </a:rPr>
               <a:t>STAR</a:t>
             </a:r>
+            <a:endParaRPr lang="en-US" sz="2600" dirty="0" smtClean="0">
+              <a:latin typeface="Calibri" charset="0"/>
+              <a:ea typeface="ＭＳ Ｐゴシック" charset="0"/>
+            </a:endParaRPr>
           </a:p>
           <a:p>
             <a:pPr lvl="2">
@@ -9218,7 +9222,7 @@
               <a:defRPr/>
             </a:pPr>
             <a:r>
-              <a:rPr lang="en-US" sz="2200" dirty="0" smtClean="0">
+              <a:rPr lang="en-US" sz="2300" dirty="0" smtClean="0">
                 <a:latin typeface="Calibri" charset="0"/>
                 <a:ea typeface="ＭＳ Ｐゴシック" charset="0"/>
               </a:rPr>
@@ -9240,15 +9244,15 @@
               <a:rPr lang="en-US" sz="1900" dirty="0">
                 <a:latin typeface="Calibri" charset="0"/>
                 <a:ea typeface="ＭＳ Ｐゴシック" charset="0"/>
-                <a:hlinkClick r:id="rId6"/>
-              </a:rPr>
-              <a:t>http://tophat.cbcb.umd.edu</a:t>
+                <a:hlinkClick r:id="rId8"/>
+              </a:rPr>
+              <a:t>http://cole-trapnell-lab.github.io/cufflinks</a:t>
             </a:r>
             <a:r>
               <a:rPr lang="en-US" sz="1900" dirty="0" smtClean="0">
                 <a:latin typeface="Calibri" charset="0"/>
                 <a:ea typeface="ＭＳ Ｐゴシック" charset="0"/>
-                <a:hlinkClick r:id="rId6"/>
+                <a:hlinkClick r:id="rId8"/>
               </a:rPr>
               <a:t>/</a:t>
             </a:r>
@@ -9287,18 +9291,26 @@
               <a:defRPr/>
             </a:pPr>
             <a:r>
+              <a:rPr lang="en-US" sz="1900" dirty="0" smtClean="0">
+                <a:latin typeface="Calibri" charset="0"/>
+                <a:ea typeface="ＭＳ Ｐゴシック" charset="0"/>
+                <a:hlinkClick r:id="rId9"/>
+              </a:rPr>
+              <a:t>http</a:t>
+            </a:r>
+            <a:r>
               <a:rPr lang="en-US" sz="1900" dirty="0">
                 <a:latin typeface="Calibri" charset="0"/>
                 <a:ea typeface="ＭＳ Ｐゴシック" charset="0"/>
-                <a:hlinkClick r:id="rId8"/>
-              </a:rPr>
-              <a:t>http://www-huber.embl.de/users/anders/HTSeq/doc/</a:t>
+                <a:hlinkClick r:id="rId9"/>
+              </a:rPr>
+              <a:t>://www-huber.embl.de/users/anders/HTSeq/doc/</a:t>
             </a:r>
             <a:r>
               <a:rPr lang="en-US" sz="1900" dirty="0" smtClean="0">
                 <a:latin typeface="Calibri" charset="0"/>
                 <a:ea typeface="ＭＳ Ｐゴシック" charset="0"/>
-                <a:hlinkClick r:id="rId8"/>
+                <a:hlinkClick r:id="rId9"/>
               </a:rPr>
               <a:t>count.html</a:t>
             </a:r>
@@ -9315,48 +9327,48 @@
               <a:defRPr/>
             </a:pPr>
             <a:r>
-              <a:rPr lang="en-US" sz="2200" dirty="0" smtClean="0">
+              <a:rPr lang="en-US" sz="2300" dirty="0" smtClean="0">
                 <a:latin typeface="Calibri" charset="0"/>
                 <a:ea typeface="ＭＳ Ｐゴシック" charset="0"/>
               </a:rPr>
               <a:t>R/</a:t>
             </a:r>
             <a:r>
-              <a:rPr lang="en-US" sz="2000" dirty="0" err="1" smtClean="0">
+              <a:rPr lang="en-US" sz="2300" dirty="0" err="1" smtClean="0">
                 <a:latin typeface="Calibri" charset="0"/>
                 <a:ea typeface="ＭＳ Ｐゴシック" charset="0"/>
               </a:rPr>
               <a:t>Bioconductor</a:t>
             </a:r>
             <a:r>
-              <a:rPr lang="en-US" sz="2000" dirty="0">
+              <a:rPr lang="en-US" sz="2300" dirty="0">
                 <a:latin typeface="Calibri" charset="0"/>
                 <a:ea typeface="ＭＳ Ｐゴシック" charset="0"/>
               </a:rPr>
               <a:t>/</a:t>
             </a:r>
             <a:r>
-              <a:rPr lang="en-US" sz="2000" dirty="0" err="1" smtClean="0">
+              <a:rPr lang="en-US" sz="2300" dirty="0" err="1" smtClean="0">
                 <a:latin typeface="Calibri" charset="0"/>
                 <a:ea typeface="ＭＳ Ｐゴシック" charset="0"/>
               </a:rPr>
               <a:t>CummeRbund</a:t>
             </a:r>
             <a:r>
-              <a:rPr lang="en-US" sz="2000" dirty="0" smtClean="0">
+              <a:rPr lang="en-US" sz="2300" dirty="0" smtClean="0">
                 <a:latin typeface="Calibri" charset="0"/>
                 <a:ea typeface="ＭＳ Ｐゴシック" charset="0"/>
               </a:rPr>
               <a:t>/</a:t>
             </a:r>
             <a:r>
-              <a:rPr lang="en-US" sz="2000" dirty="0" err="1" smtClean="0">
+              <a:rPr lang="en-US" sz="2300" dirty="0" err="1" smtClean="0">
                 <a:latin typeface="Calibri" charset="0"/>
                 <a:ea typeface="ＭＳ Ｐゴシック" charset="0"/>
               </a:rPr>
               <a:t>edgeR</a:t>
             </a:r>
-            <a:endParaRPr lang="en-US" sz="2200" dirty="0">
+            <a:endParaRPr lang="en-US" sz="2300" dirty="0">
               <a:latin typeface="Calibri" charset="0"/>
               <a:ea typeface="ＭＳ Ｐゴシック" charset="0"/>
             </a:endParaRPr>
@@ -9372,7 +9384,7 @@
               <a:rPr lang="en-US" sz="1900" dirty="0">
                 <a:latin typeface="Calibri" charset="0"/>
                 <a:ea typeface="ＭＳ Ｐゴシック" charset="0"/>
-                <a:hlinkClick r:id="rId9"/>
+                <a:hlinkClick r:id="rId10"/>
               </a:rPr>
               <a:t>http://cran.r-project.org</a:t>
             </a:r>
@@ -9380,7 +9392,7 @@
               <a:rPr lang="en-US" sz="1900" dirty="0" smtClean="0">
                 <a:latin typeface="Calibri" charset="0"/>
                 <a:ea typeface="ＭＳ Ｐゴシック" charset="0"/>
-                <a:hlinkClick r:id="rId9"/>
+                <a:hlinkClick r:id="rId10"/>
               </a:rPr>
               <a:t>/</a:t>
             </a:r>
@@ -9400,7 +9412,7 @@
               <a:rPr lang="en-US" sz="1900" dirty="0" smtClean="0">
                 <a:latin typeface="Calibri" charset="0"/>
                 <a:ea typeface="ＭＳ Ｐゴシック" charset="0"/>
-                <a:hlinkClick r:id="rId10"/>
+                <a:hlinkClick r:id="rId11"/>
               </a:rPr>
               <a:t>http://www.bioconductor.org/</a:t>
             </a:r>
@@ -9420,7 +9432,7 @@
               <a:rPr lang="en-US" sz="1900" dirty="0">
                 <a:latin typeface="Calibri" charset="0"/>
                 <a:ea typeface="ＭＳ Ｐゴシック" charset="0"/>
-                <a:hlinkClick r:id="rId11"/>
+                <a:hlinkClick r:id="rId12"/>
               </a:rPr>
               <a:t>http://compbio.mit.edu/cummeRbund</a:t>
             </a:r>
@@ -9428,7 +9440,7 @@
               <a:rPr lang="en-US" sz="1900" dirty="0" smtClean="0">
                 <a:latin typeface="Calibri" charset="0"/>
                 <a:ea typeface="ＭＳ Ｐゴシック" charset="0"/>
-                <a:hlinkClick r:id="rId11"/>
+                <a:hlinkClick r:id="rId12"/>
               </a:rPr>
               <a:t>/</a:t>
             </a:r>
@@ -9448,7 +9460,7 @@
               <a:rPr lang="en-US" sz="1900" dirty="0">
                 <a:latin typeface="Calibri" charset="0"/>
                 <a:ea typeface="ＭＳ Ｐゴシック" charset="0"/>
-                <a:hlinkClick r:id="rId12"/>
+                <a:hlinkClick r:id="rId13"/>
               </a:rPr>
               <a:t>http://www.bioconductor.org/packages/release/bioc/html/</a:t>
             </a:r>
@@ -9456,7 +9468,7 @@
               <a:rPr lang="en-US" sz="1900" dirty="0" smtClean="0">
                 <a:latin typeface="Calibri" charset="0"/>
                 <a:ea typeface="ＭＳ Ｐゴシック" charset="0"/>
-                <a:hlinkClick r:id="rId12"/>
+                <a:hlinkClick r:id="rId13"/>
               </a:rPr>
               <a:t>edgeR.html</a:t>
             </a:r>
@@ -9495,7 +9507,7 @@
               <a:rPr lang="en-US" sz="1900" dirty="0">
                 <a:latin typeface="Calibri" charset="0"/>
                 <a:ea typeface="ＭＳ Ｐゴシック" charset="0"/>
-                <a:hlinkClick r:id="rId13"/>
+                <a:hlinkClick r:id="rId14"/>
               </a:rPr>
               <a:t>http://samstat.sourceforge.net</a:t>
             </a:r>
@@ -9503,7 +9515,7 @@
               <a:rPr lang="en-US" sz="1900" dirty="0" smtClean="0">
                 <a:latin typeface="Calibri" charset="0"/>
                 <a:ea typeface="ＭＳ Ｐゴシック" charset="0"/>
-                <a:hlinkClick r:id="rId13"/>
+                <a:hlinkClick r:id="rId14"/>
               </a:rPr>
               <a:t>/</a:t>
             </a:r>
@@ -9542,7 +9554,7 @@
               <a:rPr lang="en-US" sz="1900" dirty="0">
                 <a:latin typeface="Calibri" charset="0"/>
                 <a:ea typeface="ＭＳ Ｐゴシック" charset="0"/>
-                <a:hlinkClick r:id="rId14"/>
+                <a:hlinkClick r:id="rId15"/>
               </a:rPr>
               <a:t>https://sites.google.com/a/brown.edu/bioinformatics-in-biomed/</a:t>
             </a:r>
@@ -9550,7 +9562,7 @@
               <a:rPr lang="en-US" sz="1900" dirty="0" smtClean="0">
                 <a:latin typeface="Calibri" charset="0"/>
                 <a:ea typeface="ＭＳ Ｐゴシック" charset="0"/>
-                <a:hlinkClick r:id="rId14"/>
+                <a:hlinkClick r:id="rId15"/>
               </a:rPr>
               <a:t>fastqc</a:t>
             </a:r>
@@ -9589,30 +9601,25 @@
               <a:rPr lang="en-US" sz="1900" dirty="0">
                 <a:latin typeface="Calibri" charset="0"/>
                 <a:ea typeface="ＭＳ Ｐゴシック" charset="0"/>
-                <a:hlinkClick r:id="rId15"/>
-              </a:rPr>
-              <a:t>http://picard.sourceforge.net</a:t>
+                <a:hlinkClick r:id="rId16"/>
+              </a:rPr>
+              <a:t>http://broadinstitute.github.io/picard</a:t>
             </a:r>
             <a:r>
               <a:rPr lang="en-US" sz="1900" dirty="0" smtClean="0">
                 <a:latin typeface="Calibri" charset="0"/>
                 <a:ea typeface="ＭＳ Ｐゴシック" charset="0"/>
-                <a:hlinkClick r:id="rId15"/>
+                <a:hlinkClick r:id="rId16"/>
               </a:rPr>
               <a:t>/</a:t>
             </a:r>
-            <a:endParaRPr lang="en-US" sz="1900" dirty="0" smtClean="0">
-              <a:latin typeface="Calibri" charset="0"/>
-              <a:ea typeface="ＭＳ Ｐゴシック" charset="0"/>
-            </a:endParaRPr>
-          </a:p>
-          <a:p>
-            <a:pPr lvl="1">
-              <a:lnSpc>
-                <a:spcPct val="80000"/>
-              </a:lnSpc>
-              <a:defRPr/>
-            </a:pPr>
+            <a:r>
+              <a:rPr lang="en-US" sz="1900" dirty="0" smtClean="0">
+                <a:latin typeface="Calibri" charset="0"/>
+                <a:ea typeface="ＭＳ Ｐゴシック" charset="0"/>
+              </a:rPr>
+              <a:t> </a:t>
+            </a:r>
             <a:endParaRPr lang="en-US" sz="2300" dirty="0" smtClean="0">
               <a:latin typeface="Calibri" charset="0"/>
               <a:ea typeface="ＭＳ Ｐゴシック" charset="0"/>
@@ -9718,41 +9725,96 @@
           <a:lstStyle/>
           <a:p>
             <a:r>
-              <a:rPr lang="en-US">
-                <a:latin typeface="Calibri" charset="0"/>
-                <a:ea typeface="ＭＳ Ｐゴシック" charset="0"/>
-              </a:rPr>
-              <a:t>All reference files are obtained from the Illumina iGenomes project</a:t>
+              <a:rPr lang="en-US" dirty="0">
+                <a:latin typeface="Calibri" charset="0"/>
+                <a:ea typeface="ＭＳ Ｐゴシック" charset="0"/>
+              </a:rPr>
+              <a:t>All reference files are obtained from the </a:t>
+            </a:r>
+            <a:r>
+              <a:rPr lang="en-US" dirty="0" err="1">
+                <a:latin typeface="Calibri" charset="0"/>
+                <a:ea typeface="ＭＳ Ｐゴシック" charset="0"/>
+              </a:rPr>
+              <a:t>Illumina</a:t>
+            </a:r>
+            <a:r>
+              <a:rPr lang="en-US" dirty="0">
+                <a:latin typeface="Calibri" charset="0"/>
+                <a:ea typeface="ＭＳ Ｐゴシック" charset="0"/>
+              </a:rPr>
+              <a:t> </a:t>
+            </a:r>
+            <a:r>
+              <a:rPr lang="en-US" dirty="0" err="1">
+                <a:latin typeface="Calibri" charset="0"/>
+                <a:ea typeface="ＭＳ Ｐゴシック" charset="0"/>
+              </a:rPr>
+              <a:t>iGenomes</a:t>
+            </a:r>
+            <a:r>
+              <a:rPr lang="en-US" dirty="0">
+                <a:latin typeface="Calibri" charset="0"/>
+                <a:ea typeface="ＭＳ Ｐゴシック" charset="0"/>
+              </a:rPr>
+              <a:t> project</a:t>
             </a:r>
           </a:p>
           <a:p>
             <a:pPr lvl="1"/>
             <a:r>
-              <a:rPr lang="en-US">
+              <a:rPr lang="en-US" dirty="0">
                 <a:latin typeface="Calibri" charset="0"/>
                 <a:ea typeface="ＭＳ Ｐゴシック" charset="0"/>
                 <a:hlinkClick r:id="rId3"/>
               </a:rPr>
-              <a:t>http://cufflinks.cbcb.umd.edu/igenomes.html</a:t>
-            </a:r>
-            <a:endParaRPr lang="en-US">
+              <a:t>http://cole-trapnell-lab.github.io/cufflinks//igenome_table/</a:t>
+            </a:r>
+            <a:r>
+              <a:rPr lang="en-US" dirty="0" smtClean="0">
+                <a:latin typeface="Calibri" charset="0"/>
+                <a:ea typeface="ＭＳ Ｐゴシック" charset="0"/>
+                <a:hlinkClick r:id="rId3"/>
+              </a:rPr>
+              <a:t>index.html</a:t>
+            </a:r>
+            <a:endParaRPr lang="en-US" dirty="0" smtClean="0">
               <a:latin typeface="Calibri" charset="0"/>
               <a:ea typeface="ＭＳ Ｐゴシック" charset="0"/>
             </a:endParaRPr>
           </a:p>
           <a:p>
-            <a:r>
-              <a:rPr lang="en-US">
-                <a:latin typeface="Calibri" charset="0"/>
-                <a:ea typeface="ＭＳ Ｐゴシック" charset="0"/>
-              </a:rPr>
-              <a:t>This step downloads reference human genome files from iGenomes</a:t>
-            </a:r>
-          </a:p>
-          <a:p>
             <a:pPr lvl="1"/>
             <a:r>
-              <a:rPr lang="en-US">
+              <a:rPr lang="en-US" dirty="0" smtClean="0">
+                <a:latin typeface="Calibri" charset="0"/>
+                <a:ea typeface="ＭＳ Ｐゴシック" charset="0"/>
+              </a:rPr>
+              <a:t>This </a:t>
+            </a:r>
+            <a:r>
+              <a:rPr lang="en-US" dirty="0">
+                <a:latin typeface="Calibri" charset="0"/>
+                <a:ea typeface="ＭＳ Ｐゴシック" charset="0"/>
+              </a:rPr>
+              <a:t>step downloads reference human genome files from </a:t>
+            </a:r>
+            <a:r>
+              <a:rPr lang="en-US" dirty="0" err="1">
+                <a:latin typeface="Calibri" charset="0"/>
+                <a:ea typeface="ＭＳ Ｐゴシック" charset="0"/>
+              </a:rPr>
+              <a:t>iGenomes</a:t>
+            </a:r>
+            <a:endParaRPr lang="en-US" dirty="0">
+              <a:latin typeface="Calibri" charset="0"/>
+              <a:ea typeface="ＭＳ Ｐゴシック" charset="0"/>
+            </a:endParaRPr>
+          </a:p>
+          <a:p>
+            <a:pPr lvl="1"/>
+            <a:r>
+              <a:rPr lang="en-US" dirty="0">
                 <a:latin typeface="Calibri" charset="0"/>
                 <a:ea typeface="ＭＳ Ｐゴシック" charset="0"/>
               </a:rPr>
@@ -9761,7 +9823,7 @@
           </a:p>
           <a:p>
             <a:r>
-              <a:rPr lang="en-US">
+              <a:rPr lang="en-US" dirty="0">
                 <a:latin typeface="Calibri" charset="0"/>
                 <a:ea typeface="ＭＳ Ｐゴシック" charset="0"/>
               </a:rPr>
@@ -9771,7 +9833,7 @@
           <a:p>
             <a:pPr lvl="1"/>
             <a:r>
-              <a:rPr lang="en-US">
+              <a:rPr lang="en-US" dirty="0">
                 <a:latin typeface="Calibri" charset="0"/>
                 <a:ea typeface="ＭＳ Ｐゴシック" charset="0"/>
               </a:rPr>
@@ -9781,7 +9843,7 @@
           <a:p>
             <a:pPr lvl="1"/>
             <a:r>
-              <a:rPr lang="en-US">
+              <a:rPr lang="en-US" dirty="0">
                 <a:latin typeface="Calibri" charset="0"/>
                 <a:ea typeface="ＭＳ Ｐゴシック" charset="0"/>
               </a:rPr>
@@ -9888,24 +9950,67 @@
           <a:lstStyle/>
           <a:p>
             <a:r>
-              <a:rPr lang="en-US">
-                <a:latin typeface="Calibri" charset="0"/>
-                <a:ea typeface="ＭＳ Ｐゴシック" charset="0"/>
-              </a:rPr>
-              <a:t>All annotation files are obtained from the Illumina iGenomes project</a:t>
+              <a:rPr lang="en-US" dirty="0">
+                <a:latin typeface="Calibri" charset="0"/>
+                <a:ea typeface="ＭＳ Ｐゴシック" charset="0"/>
+              </a:rPr>
+              <a:t>All annotation files are obtained from the </a:t>
+            </a:r>
+            <a:r>
+              <a:rPr lang="en-US" dirty="0" err="1">
+                <a:latin typeface="Calibri" charset="0"/>
+                <a:ea typeface="ＭＳ Ｐゴシック" charset="0"/>
+              </a:rPr>
+              <a:t>Illumina</a:t>
+            </a:r>
+            <a:r>
+              <a:rPr lang="en-US" dirty="0">
+                <a:latin typeface="Calibri" charset="0"/>
+                <a:ea typeface="ＭＳ Ｐゴシック" charset="0"/>
+              </a:rPr>
+              <a:t> </a:t>
+            </a:r>
+            <a:r>
+              <a:rPr lang="en-US" dirty="0" err="1">
+                <a:latin typeface="Calibri" charset="0"/>
+                <a:ea typeface="ＭＳ Ｐゴシック" charset="0"/>
+              </a:rPr>
+              <a:t>iGenomes</a:t>
+            </a:r>
+            <a:r>
+              <a:rPr lang="en-US" dirty="0">
+                <a:latin typeface="Calibri" charset="0"/>
+                <a:ea typeface="ＭＳ Ｐゴシック" charset="0"/>
+              </a:rPr>
+              <a:t> project</a:t>
             </a:r>
           </a:p>
           <a:p>
             <a:pPr lvl="1"/>
             <a:r>
-              <a:rPr lang="en-US">
+              <a:rPr lang="en-US" dirty="0">
                 <a:latin typeface="Calibri" charset="0"/>
                 <a:ea typeface="ＭＳ Ｐゴシック" charset="0"/>
                 <a:hlinkClick r:id="rId3"/>
               </a:rPr>
-              <a:t>http://cufflinks.cbcb.umd.edu/igenomes.html</a:t>
-            </a:r>
-            <a:endParaRPr lang="en-US">
+              <a:t>http://cole-trapnell-lab.github.io/cufflinks//igenome_table/</a:t>
+            </a:r>
+            <a:r>
+              <a:rPr lang="en-US" dirty="0" smtClean="0">
+                <a:latin typeface="Calibri" charset="0"/>
+                <a:ea typeface="ＭＳ Ｐゴシック" charset="0"/>
+                <a:hlinkClick r:id="rId3"/>
+              </a:rPr>
+              <a:t>index.html</a:t>
+            </a:r>
+            <a:r>
+              <a:rPr lang="en-US" dirty="0" smtClean="0">
+                <a:latin typeface="Calibri" charset="0"/>
+                <a:ea typeface="ＭＳ Ｐゴシック" charset="0"/>
+              </a:rPr>
+              <a:t> </a:t>
+            </a:r>
+            <a:endParaRPr lang="en-US" dirty="0">
               <a:latin typeface="Calibri" charset="0"/>
               <a:ea typeface="ＭＳ Ｐゴシック" charset="0"/>
             </a:endParaRPr>
@@ -9917,11 +10022,18 @@
               </a:lnSpc>
             </a:pPr>
             <a:r>
-              <a:rPr lang="en-US">
-                <a:latin typeface="Calibri" charset="0"/>
-                <a:ea typeface="ＭＳ Ｐゴシック" charset="0"/>
-              </a:rPr>
-              <a:t>There are many other ways to obtain gene annotation files. For example:</a:t>
+              <a:rPr lang="en-US" dirty="0" smtClean="0">
+                <a:latin typeface="Calibri" charset="0"/>
+                <a:ea typeface="ＭＳ Ｐゴシック" charset="0"/>
+              </a:rPr>
+              <a:t>There </a:t>
+            </a:r>
+            <a:r>
+              <a:rPr lang="en-US" dirty="0">
+                <a:latin typeface="Calibri" charset="0"/>
+                <a:ea typeface="ＭＳ Ｐゴシック" charset="0"/>
+              </a:rPr>
+              <a:t>are many other ways to obtain gene annotation files. For example:</a:t>
             </a:r>
           </a:p>
           <a:p>
@@ -9931,11 +10043,53 @@
               </a:lnSpc>
             </a:pPr>
             <a:r>
-              <a:rPr lang="en-US">
-                <a:latin typeface="Calibri" charset="0"/>
-                <a:ea typeface="ＭＳ Ｐゴシック" charset="0"/>
-              </a:rPr>
-              <a:t>UCSC Genome Browser, Ensembl API, BioMart, Entrez, Galaxy, etc. could also be used</a:t>
+              <a:rPr lang="en-US" dirty="0">
+                <a:latin typeface="Calibri" charset="0"/>
+                <a:ea typeface="ＭＳ Ｐゴシック" charset="0"/>
+              </a:rPr>
+              <a:t>UCSC Genome Browser, </a:t>
+            </a:r>
+            <a:r>
+              <a:rPr lang="en-US" dirty="0" err="1">
+                <a:latin typeface="Calibri" charset="0"/>
+                <a:ea typeface="ＭＳ Ｐゴシック" charset="0"/>
+              </a:rPr>
+              <a:t>Ensembl</a:t>
+            </a:r>
+            <a:r>
+              <a:rPr lang="en-US" dirty="0">
+                <a:latin typeface="Calibri" charset="0"/>
+                <a:ea typeface="ＭＳ Ｐゴシック" charset="0"/>
+              </a:rPr>
+              <a:t> API, </a:t>
+            </a:r>
+            <a:r>
+              <a:rPr lang="en-US" dirty="0" err="1">
+                <a:latin typeface="Calibri" charset="0"/>
+                <a:ea typeface="ＭＳ Ｐゴシック" charset="0"/>
+              </a:rPr>
+              <a:t>BioMart</a:t>
+            </a:r>
+            <a:r>
+              <a:rPr lang="en-US" dirty="0">
+                <a:latin typeface="Calibri" charset="0"/>
+                <a:ea typeface="ＭＳ Ｐゴシック" charset="0"/>
+              </a:rPr>
+              <a:t>, </a:t>
+            </a:r>
+            <a:r>
+              <a:rPr lang="en-US" dirty="0" err="1">
+                <a:latin typeface="Calibri" charset="0"/>
+                <a:ea typeface="ＭＳ Ｐゴシック" charset="0"/>
+              </a:rPr>
+              <a:t>Entrez</a:t>
+            </a:r>
+            <a:r>
+              <a:rPr lang="en-US" dirty="0">
+                <a:latin typeface="Calibri" charset="0"/>
+                <a:ea typeface="ＭＳ Ｐゴシック" charset="0"/>
+              </a:rPr>
+              <a:t>, Galaxy, etc. could also be used</a:t>
             </a:r>
           </a:p>
           <a:p>
@@ -9945,7 +10099,7 @@
               </a:lnSpc>
             </a:pPr>
             <a:r>
-              <a:rPr lang="en-US">
+              <a:rPr lang="en-US" dirty="0">
                 <a:latin typeface="Calibri" charset="0"/>
                 <a:ea typeface="ＭＳ Ｐゴシック" charset="0"/>
               </a:rPr>
@@ -9959,7 +10113,7 @@
               </a:lnSpc>
             </a:pPr>
             <a:r>
-              <a:rPr lang="en-US">
+              <a:rPr lang="en-US" dirty="0">
                 <a:latin typeface="Calibri" charset="0"/>
                 <a:ea typeface="ＭＳ Ｐゴシック" charset="0"/>
               </a:rPr>
@@ -9973,14 +10127,14 @@
               </a:lnSpc>
             </a:pPr>
             <a:r>
-              <a:rPr lang="en-US">
+              <a:rPr lang="en-US" dirty="0">
                 <a:latin typeface="Calibri" charset="0"/>
                 <a:ea typeface="ＭＳ Ｐゴシック" charset="0"/>
                 <a:hlinkClick r:id="rId4"/>
               </a:rPr>
               <a:t>http://genome.ucsc.edu/FAQ/FAQformat.html#format4</a:t>
             </a:r>
-            <a:endParaRPr lang="en-US">
+            <a:endParaRPr lang="en-US" dirty="0">
               <a:latin typeface="Calibri" charset="0"/>
               <a:ea typeface="ＭＳ Ｐゴシック" charset="0"/>
             </a:endParaRPr>
